--- a/API JSeach projet.pptx
+++ b/API JSeach projet.pptx
@@ -5,7 +5,7 @@
     <p:sldMasterId id="2147483659" r:id="rId1"/>
   </p:sldMasterIdLst>
   <p:notesMasterIdLst>
-    <p:notesMasterId r:id="rId9"/>
+    <p:notesMasterId r:id="rId10"/>
   </p:notesMasterIdLst>
   <p:sldIdLst>
     <p:sldId id="256" r:id="rId2"/>
@@ -14,22 +14,23 @@
     <p:sldId id="259" r:id="rId5"/>
     <p:sldId id="260" r:id="rId6"/>
     <p:sldId id="261" r:id="rId7"/>
-    <p:sldId id="262" r:id="rId8"/>
+    <p:sldId id="263" r:id="rId8"/>
+    <p:sldId id="262" r:id="rId9"/>
   </p:sldIdLst>
   <p:sldSz cx="9144000" cy="5143500" type="screen16x9"/>
   <p:notesSz cx="6858000" cy="9144000"/>
   <p:embeddedFontLst>
     <p:embeddedFont>
       <p:font typeface="Open Sans" panose="020B0606030504020204" pitchFamily="34" charset="0"/>
-      <p:regular r:id="rId10"/>
-      <p:bold r:id="rId11"/>
-      <p:italic r:id="rId12"/>
-      <p:boldItalic r:id="rId13"/>
+      <p:regular r:id="rId11"/>
+      <p:bold r:id="rId12"/>
+      <p:italic r:id="rId13"/>
+      <p:boldItalic r:id="rId14"/>
     </p:embeddedFont>
     <p:embeddedFont>
       <p:font typeface="PT Sans Narrow" panose="020B0506020203020204" pitchFamily="34" charset="0"/>
-      <p:regular r:id="rId14"/>
-      <p:bold r:id="rId15"/>
+      <p:regular r:id="rId15"/>
+      <p:bold r:id="rId16"/>
     </p:embeddedFont>
   </p:embeddedFontLst>
   <p:defaultTextStyle>
@@ -750,8 +751,8 @@
         </p:nvSpPr>
         <p:spPr>
           <a:xfrm>
-            <a:off x="381300" y="685800"/>
-            <a:ext cx="6096075" cy="3429000"/>
+            <a:off x="381000" y="685800"/>
+            <a:ext cx="6096000" cy="3429000"/>
           </a:xfrm>
           <a:custGeom>
             <a:avLst/>
@@ -854,7 +855,7 @@
         </p:nvSpPr>
         <p:spPr>
           <a:xfrm>
-            <a:off x="381300" y="685800"/>
+            <a:off x="381000" y="685800"/>
             <a:ext cx="6096000" cy="3429000"/>
           </a:xfrm>
           <a:custGeom>
@@ -6930,6 +6931,41 @@
           </a:ln>
         </p:spPr>
       </p:pic>
+      <p:sp>
+        <p:nvSpPr>
+          <p:cNvPr id="2" name="ZoneTexte 1">
+            <a:extLst>
+              <a:ext uri="{FF2B5EF4-FFF2-40B4-BE49-F238E27FC236}">
+                <a16:creationId xmlns:a16="http://schemas.microsoft.com/office/drawing/2014/main" id="{FCB82A2B-82D2-CE90-CB19-C24984DBD2B3}"/>
+              </a:ext>
+            </a:extLst>
+          </p:cNvPr>
+          <p:cNvSpPr txBox="1"/>
+          <p:nvPr/>
+        </p:nvSpPr>
+        <p:spPr>
+          <a:xfrm>
+            <a:off x="6291618" y="3725839"/>
+            <a:ext cx="2224585" cy="307777"/>
+          </a:xfrm>
+          <a:prstGeom prst="rect">
+            <a:avLst/>
+          </a:prstGeom>
+          <a:noFill/>
+        </p:spPr>
+        <p:txBody>
+          <a:bodyPr wrap="square" rtlCol="0">
+            <a:spAutoFit/>
+          </a:bodyPr>
+          <a:lstStyle/>
+          <a:p>
+            <a:r>
+              <a:rPr lang="fr-FR" dirty="0"/>
+              <a:t>MARIAMA Yasmine</a:t>
+            </a:r>
+          </a:p>
+        </p:txBody>
+      </p:sp>
     </p:spTree>
   </p:cSld>
   <p:clrMapOvr>
@@ -7018,7 +7054,7 @@
         </p:spPr>
         <p:txBody>
           <a:bodyPr spcFirstLastPara="1" wrap="square" lIns="91425" tIns="91425" rIns="91425" bIns="91425" anchor="t" anchorCtr="0">
-            <a:normAutofit fontScale="92500" lnSpcReduction="10000"/>
+            <a:normAutofit fontScale="92500"/>
           </a:bodyPr>
           <a:lstStyle/>
           <a:p>
@@ -7265,7 +7301,7 @@
         </p:spPr>
         <p:txBody>
           <a:bodyPr spcFirstLastPara="1" wrap="square" lIns="91425" tIns="91425" rIns="91425" bIns="91425" anchor="t" anchorCtr="0">
-            <a:normAutofit/>
+            <a:normAutofit fontScale="85000" lnSpcReduction="10000"/>
           </a:bodyPr>
           <a:lstStyle/>
           <a:p>
@@ -7375,23 +7411,114 @@
             <a:endParaRPr dirty="0"/>
           </a:p>
           <a:p>
-            <a:pPr marL="0" marR="38100" lvl="0" indent="0" algn="l" rtl="0">
+            <a:pPr marL="0" marR="38100" indent="0">
               <a:lnSpc>
                 <a:spcPct val="128571"/>
               </a:lnSpc>
-              <a:spcBef>
-                <a:spcPts val="0"/>
-              </a:spcBef>
-              <a:spcAft>
-                <a:spcPts val="0"/>
-              </a:spcAft>
               <a:buNone/>
             </a:pPr>
             <a:r>
               <a:rPr lang="fr" dirty="0"/>
-              <a:t>Large number of columns (53) but majority of them is NaN or no interesting information to exploit in this case or boolean </a:t>
+              <a:t>Large number of columns (53) but:</a:t>
             </a:r>
-            <a:endParaRPr sz="2100" dirty="0">
+          </a:p>
+          <a:p>
+            <a:pPr marL="742950" marR="38100" lvl="1" indent="-285750">
+              <a:lnSpc>
+                <a:spcPct val="128571"/>
+              </a:lnSpc>
+            </a:pPr>
+            <a:r>
+              <a:rPr lang="fr" dirty="0"/>
+              <a:t>majority of them is NaN (‘</a:t>
+            </a:r>
+            <a:r>
+              <a:rPr lang="fr" sz="1300" i="1" dirty="0"/>
+              <a:t>employers_compagny_type’…)</a:t>
+            </a:r>
+          </a:p>
+          <a:p>
+            <a:pPr marL="742950" marR="38100" lvl="1" indent="-285750">
+              <a:lnSpc>
+                <a:spcPct val="128571"/>
+              </a:lnSpc>
+            </a:pPr>
+            <a:r>
+              <a:rPr lang="fr" dirty="0"/>
+              <a:t>no interesting information to exploit in this case (</a:t>
+            </a:r>
+            <a:r>
+              <a:rPr lang="fr" sz="1400" i="1" dirty="0"/>
+              <a:t>‘</a:t>
+            </a:r>
+            <a:r>
+              <a:rPr lang="fr-FR" sz="1300" i="1" dirty="0" err="1"/>
+              <a:t>employer_logo</a:t>
+            </a:r>
+            <a:r>
+              <a:rPr lang="fr-FR" sz="1300" i="1" dirty="0"/>
+              <a:t>', 'employer_</a:t>
+            </a:r>
+            <a:r>
+              <a:rPr lang="fr-FR" sz="1300" i="1" dirty="0" err="1"/>
+              <a:t>website</a:t>
+            </a:r>
+            <a:r>
+              <a:rPr lang="fr-FR" sz="1300" i="1" dirty="0"/>
+              <a:t>','</a:t>
+            </a:r>
+            <a:r>
+              <a:rPr lang="fr-FR" sz="1300" i="1" dirty="0" err="1"/>
+              <a:t>job_latitude</a:t>
+            </a:r>
+            <a:r>
+              <a:rPr lang="fr-FR" sz="1300" i="1" dirty="0"/>
+              <a:t>', 'job_longitude’,'</a:t>
+            </a:r>
+            <a:r>
+              <a:rPr lang="fr-FR" sz="1300" i="1" dirty="0" err="1"/>
+              <a:t>job_google_link</a:t>
+            </a:r>
+            <a:r>
+              <a:rPr lang="fr-FR" sz="1300" i="1" dirty="0"/>
+              <a:t>’ ….</a:t>
+            </a:r>
+            <a:r>
+              <a:rPr lang="fr-FR" sz="1300" dirty="0"/>
+              <a:t>)</a:t>
+            </a:r>
+            <a:endParaRPr lang="fr" dirty="0"/>
+          </a:p>
+          <a:p>
+            <a:pPr marL="742950" marR="38100" lvl="1" indent="-285750">
+              <a:lnSpc>
+                <a:spcPct val="128571"/>
+              </a:lnSpc>
+            </a:pPr>
+            <a:r>
+              <a:rPr lang="fr-FR" dirty="0"/>
+              <a:t>B</a:t>
+            </a:r>
+            <a:r>
+              <a:rPr lang="fr" dirty="0"/>
+              <a:t>oolean </a:t>
+            </a:r>
+            <a:r>
+              <a:rPr lang="fr-FR" sz="1700" dirty="0">
+                <a:solidFill>
+                  <a:srgbClr val="1F1F1F"/>
+                </a:solidFill>
+                <a:highlight>
+                  <a:srgbClr val="F8F9FA"/>
+                </a:highlight>
+                <a:latin typeface="Arial"/>
+                <a:ea typeface="Arial"/>
+                <a:cs typeface="Arial"/>
+                <a:sym typeface="Wingdings" panose="05000000000000000000" pitchFamily="2" charset="2"/>
+              </a:rPr>
+              <a:t>	</a:t>
+            </a:r>
+            <a:endParaRPr sz="1700" dirty="0">
               <a:solidFill>
                 <a:srgbClr val="1F1F1F"/>
               </a:solidFill>
@@ -7417,21 +7544,10 @@
               </a:spcAft>
               <a:buNone/>
             </a:pPr>
-            <a:endParaRPr lang="fr-FR" dirty="0"/>
-          </a:p>
-          <a:p>
-            <a:pPr marL="0" marR="38100" lvl="0" indent="0" algn="l" rtl="0">
-              <a:lnSpc>
-                <a:spcPct val="128571"/>
-              </a:lnSpc>
-              <a:spcBef>
-                <a:spcPts val="0"/>
-              </a:spcBef>
-              <a:spcAft>
-                <a:spcPts val="0"/>
-              </a:spcAft>
-              <a:buNone/>
-            </a:pPr>
+            <a:r>
+              <a:rPr lang="fr" dirty="0"/>
+              <a:t>         </a:t>
+            </a:r>
             <a:endParaRPr dirty="0"/>
           </a:p>
           <a:p>
@@ -8225,6 +8341,153 @@
 </file>
 
 <file path=ppt/slides/slide7.xml><?xml version="1.0" encoding="utf-8"?>
+<p:sld xmlns:a="http://schemas.openxmlformats.org/drawingml/2006/main" xmlns:r="http://schemas.openxmlformats.org/officeDocument/2006/relationships" xmlns:p="http://schemas.openxmlformats.org/presentationml/2006/main">
+  <p:cSld>
+    <p:spTree>
+      <p:nvGrpSpPr>
+        <p:cNvPr id="1" name=""/>
+        <p:cNvGrpSpPr/>
+        <p:nvPr/>
+      </p:nvGrpSpPr>
+      <p:grpSpPr>
+        <a:xfrm>
+          <a:off x="0" y="0"/>
+          <a:ext cx="0" cy="0"/>
+          <a:chOff x="0" y="0"/>
+          <a:chExt cx="0" cy="0"/>
+        </a:xfrm>
+      </p:grpSpPr>
+      <p:sp>
+        <p:nvSpPr>
+          <p:cNvPr id="2" name="Titre 1">
+            <a:extLst>
+              <a:ext uri="{FF2B5EF4-FFF2-40B4-BE49-F238E27FC236}">
+                <a16:creationId xmlns:a16="http://schemas.microsoft.com/office/drawing/2014/main" id="{474B6D41-E13D-B1E5-1509-558CFA00D7D7}"/>
+              </a:ext>
+            </a:extLst>
+          </p:cNvPr>
+          <p:cNvSpPr>
+            <a:spLocks noGrp="1"/>
+          </p:cNvSpPr>
+          <p:nvPr>
+            <p:ph type="title"/>
+          </p:nvPr>
+        </p:nvSpPr>
+        <p:spPr/>
+        <p:txBody>
+          <a:bodyPr>
+            <a:normAutofit fontScale="90000"/>
+          </a:bodyPr>
+          <a:lstStyle/>
+          <a:p>
+            <a:r>
+              <a:rPr lang="fr-FR" dirty="0"/>
+              <a:t>Conclusion</a:t>
+            </a:r>
+          </a:p>
+        </p:txBody>
+      </p:sp>
+      <p:sp>
+        <p:nvSpPr>
+          <p:cNvPr id="3" name="Espace réservé du texte 2">
+            <a:extLst>
+              <a:ext uri="{FF2B5EF4-FFF2-40B4-BE49-F238E27FC236}">
+                <a16:creationId xmlns:a16="http://schemas.microsoft.com/office/drawing/2014/main" id="{E4196EAF-AFD6-3B89-F0BC-EFDA8FF560CB}"/>
+              </a:ext>
+            </a:extLst>
+          </p:cNvPr>
+          <p:cNvSpPr>
+            <a:spLocks noGrp="1"/>
+          </p:cNvSpPr>
+          <p:nvPr>
+            <p:ph type="body" idx="1"/>
+          </p:nvPr>
+        </p:nvSpPr>
+        <p:spPr/>
+        <p:txBody>
+          <a:bodyPr/>
+          <a:lstStyle/>
+          <a:p>
+            <a:pPr>
+              <a:buFont typeface="+mj-lt"/>
+              <a:buAutoNum type="arabicPeriod"/>
+            </a:pPr>
+            <a:r>
+              <a:rPr lang="en-US" dirty="0"/>
+              <a:t>1. You have more chance to find a job in a big city. </a:t>
+            </a:r>
+          </a:p>
+          <a:p>
+            <a:pPr>
+              <a:buFont typeface="+mj-lt"/>
+              <a:buAutoNum type="arabicPeriod"/>
+            </a:pPr>
+            <a:r>
+              <a:rPr lang="en-US" dirty="0"/>
+              <a:t>In France, jobs are focus on Paris</a:t>
+            </a:r>
+          </a:p>
+          <a:p>
+            <a:pPr>
+              <a:buFont typeface="+mj-lt"/>
+              <a:buAutoNum type="arabicPeriod"/>
+            </a:pPr>
+            <a:r>
+              <a:rPr lang="en-US" dirty="0"/>
+              <a:t>2. An </a:t>
+            </a:r>
+            <a:r>
+              <a:rPr lang="en-US" dirty="0" err="1"/>
+              <a:t>expérience</a:t>
+            </a:r>
+            <a:r>
+              <a:rPr lang="en-US" dirty="0"/>
+              <a:t> is generally </a:t>
+            </a:r>
+            <a:r>
+              <a:rPr lang="en-US" dirty="0" err="1"/>
+              <a:t>requiered</a:t>
+            </a:r>
+            <a:r>
+              <a:rPr lang="en-US" dirty="0"/>
+              <a:t> </a:t>
+            </a:r>
+          </a:p>
+          <a:p>
+            <a:pPr>
+              <a:buFont typeface="+mj-lt"/>
+              <a:buAutoNum type="arabicPeriod"/>
+            </a:pPr>
+            <a:r>
+              <a:rPr lang="en-US" dirty="0"/>
+              <a:t>3. The salary depend of the </a:t>
+            </a:r>
+            <a:r>
+              <a:rPr lang="en-US" dirty="0" err="1"/>
+              <a:t>expérience</a:t>
+            </a:r>
+            <a:r>
+              <a:rPr lang="en-US" dirty="0"/>
+              <a:t> </a:t>
+            </a:r>
+            <a:endParaRPr lang="fr-FR" dirty="0"/>
+          </a:p>
+        </p:txBody>
+      </p:sp>
+    </p:spTree>
+    <p:extLst>
+      <p:ext uri="{BB962C8B-B14F-4D97-AF65-F5344CB8AC3E}">
+        <p14:creationId xmlns:p14="http://schemas.microsoft.com/office/powerpoint/2010/main" val="203402614"/>
+      </p:ext>
+    </p:extLst>
+  </p:cSld>
+  <p:clrMapOvr>
+    <a:masterClrMapping/>
+  </p:clrMapOvr>
+</p:sld>
+</file>
+
+<file path=ppt/slides/slide8.xml><?xml version="1.0" encoding="utf-8"?>
 <p:sld xmlns:a="http://schemas.openxmlformats.org/drawingml/2006/main" xmlns:r="http://schemas.openxmlformats.org/officeDocument/2006/relationships" xmlns:p="http://schemas.openxmlformats.org/presentationml/2006/main">
   <p:cSld>
     <p:spTree>
